--- a/INTERNSHIP STUDIO.pptx
+++ b/INTERNSHIP STUDIO.pptx
@@ -107,6 +107,11 @@
       </a:defRPr>
     </a:lvl9pPr>
   </p:defaultTextStyle>
+  <p:extLst>
+    <p:ext uri="{EFAFB233-063F-42B5-8137-9DF3F51BA10A}">
+      <p15:sldGuideLst xmlns:p15="http://schemas.microsoft.com/office/powerpoint/2012/main"/>
+    </p:ext>
+  </p:extLst>
 </p:presentation>
 </file>
 
@@ -3352,42 +3357,18 @@
       </p:grpSpPr>
       <p:sp>
         <p:nvSpPr>
-          <p:cNvPr id="2" name="Title 1"/>
-          <p:cNvSpPr>
-            <a:spLocks noGrp="1"/>
-          </p:cNvSpPr>
-          <p:nvPr>
-            <p:ph type="title"/>
+          <p:cNvPr id="3" name="Content Placeholder 2"/>
+          <p:cNvSpPr>
+            <a:spLocks noGrp="1"/>
+          </p:cNvSpPr>
+          <p:nvPr>
+            <p:ph idx="4294967295"/>
           </p:nvPr>
         </p:nvSpPr>
         <p:spPr>
           <a:xfrm>
-            <a:off x="838200" y="365125"/>
-            <a:ext cx="10515600" cy="987157"/>
-          </a:xfrm>
-        </p:spPr>
-        <p:txBody>
-          <a:bodyPr/>
-          <a:lstStyle/>
-          <a:p>
-            <a:endParaRPr lang="en-US" dirty="0"/>
-          </a:p>
-        </p:txBody>
-      </p:sp>
-      <p:sp>
-        <p:nvSpPr>
-          <p:cNvPr id="3" name="Content Placeholder 2"/>
-          <p:cNvSpPr>
-            <a:spLocks noGrp="1"/>
-          </p:cNvSpPr>
-          <p:nvPr>
-            <p:ph idx="1"/>
-          </p:nvPr>
-        </p:nvSpPr>
-        <p:spPr>
-          <a:xfrm>
-            <a:off x="838200" y="1352282"/>
-            <a:ext cx="10515600" cy="4824681"/>
+            <a:off x="708338" y="1352550"/>
+            <a:ext cx="9807262" cy="4824413"/>
           </a:xfrm>
         </p:spPr>
         <p:txBody>
